--- a/OSu/Chap15.pptx
+++ b/OSu/Chap15.pptx
@@ -11095,18 +11095,25 @@
               <a:t>• </a:t>
             </a:r>
             <a:r>
-              <a:rPr lang="en-US" altLang="en-US" b="1" dirty="0" err="1">
+              <a:rPr lang="en-US" altLang="en-US" b="1" dirty="0" err="1" smtClean="0">
                 <a:latin typeface="Courier New" panose="02070309020205020404" pitchFamily="49" charset="0"/>
                 <a:cs typeface="Courier New" panose="02070309020205020404" pitchFamily="49" charset="0"/>
               </a:rPr>
-              <a:t>ssize</a:t>
+              <a:t>ssize_t</a:t>
+            </a:r>
+            <a:r>
+              <a:rPr lang="en-US" altLang="en-US" b="1" dirty="0" smtClean="0">
+                <a:latin typeface="Courier New" panose="02070309020205020404" pitchFamily="49" charset="0"/>
+                <a:cs typeface="Courier New" panose="02070309020205020404" pitchFamily="49" charset="0"/>
+              </a:rPr>
+              <a:t> </a:t>
             </a:r>
             <a:r>
               <a:rPr lang="en-US" altLang="en-US" b="1" dirty="0">
                 <a:latin typeface="Courier New" panose="02070309020205020404" pitchFamily="49" charset="0"/>
                 <a:cs typeface="Courier New" panose="02070309020205020404" pitchFamily="49" charset="0"/>
               </a:rPr>
-              <a:t> t read(. . .)</a:t>
+              <a:t>read(. . .)</a:t>
             </a:r>
             <a:r>
               <a:rPr lang="en-US" altLang="en-US" dirty="0"/>
@@ -11120,18 +11127,25 @@
               <a:t>• </a:t>
             </a:r>
             <a:r>
-              <a:rPr lang="en-US" altLang="en-US" b="1" dirty="0" err="1">
+              <a:rPr lang="en-US" altLang="en-US" b="1" dirty="0" err="1" smtClean="0">
                 <a:latin typeface="Courier New" panose="02070309020205020404" pitchFamily="49" charset="0"/>
                 <a:cs typeface="Courier New" panose="02070309020205020404" pitchFamily="49" charset="0"/>
               </a:rPr>
-              <a:t>ssize</a:t>
+              <a:t>ssize_t</a:t>
+            </a:r>
+            <a:r>
+              <a:rPr lang="en-US" altLang="en-US" b="1" dirty="0" smtClean="0">
+                <a:latin typeface="Courier New" panose="02070309020205020404" pitchFamily="49" charset="0"/>
+                <a:cs typeface="Courier New" panose="02070309020205020404" pitchFamily="49" charset="0"/>
+              </a:rPr>
+              <a:t> </a:t>
             </a:r>
             <a:r>
               <a:rPr lang="en-US" altLang="en-US" b="1" dirty="0">
                 <a:latin typeface="Courier New" panose="02070309020205020404" pitchFamily="49" charset="0"/>
                 <a:cs typeface="Courier New" panose="02070309020205020404" pitchFamily="49" charset="0"/>
               </a:rPr>
-              <a:t> t write(. . .)</a:t>
+              <a:t>write(. . .)</a:t>
             </a:r>
             <a:r>
               <a:rPr lang="en-US" altLang="en-US" dirty="0"/>
@@ -13052,7 +13066,11 @@
           </a:p>
           <a:p>
             <a:r>
-              <a:rPr lang="en-US" altLang="en-US" sz="2400" dirty="0"/>
+              <a:rPr lang="en-US" altLang="en-US" sz="2400" dirty="0">
+                <a:solidFill>
+                  <a:srgbClr val="0000FF"/>
+                </a:solidFill>
+              </a:rPr>
               <a:t>Virtual File Systems</a:t>
             </a:r>
           </a:p>
@@ -13070,7 +13088,11 @@
           </a:p>
           <a:p>
             <a:r>
-              <a:rPr lang="en-US" altLang="en-US" sz="2400" dirty="0"/>
+              <a:rPr lang="en-US" altLang="en-US" sz="2400" dirty="0">
+                <a:solidFill>
+                  <a:srgbClr val="0000FF"/>
+                </a:solidFill>
+              </a:rPr>
               <a:t>NFS</a:t>
             </a:r>
           </a:p>

--- a/OSu/Chap15.pptx
+++ b/OSu/Chap15.pptx
@@ -439,6 +439,11 @@
         </p:txBody>
       </p:sp>
     </p:spTree>
+    <p:extLst>
+      <p:ext uri="{BB962C8B-B14F-4D97-AF65-F5344CB8AC3E}">
+        <p14:creationId xmlns:p14="http://schemas.microsoft.com/office/powerpoint/2010/main" val="1"/>
+      </p:ext>
+    </p:extLst>
   </p:cSld>
   <p:clrMap bg1="lt1" tx1="dk1" bg2="lt2" tx2="dk2" accent1="accent1" accent2="accent2" accent3="accent3" accent4="accent4" accent5="accent5" accent6="accent6" hlink="hlink" folHlink="folHlink"/>
 </p:handoutMaster>
@@ -11014,7 +11019,7 @@
           <a:p>
             <a:r>
               <a:rPr lang="en-US" altLang="en-US" dirty="0"/>
-              <a:t>VFS defines set of operations on the objects that must be implemented</a:t>
+              <a:t>VFS defines a set of operations on the objects that must be implemented</a:t>
             </a:r>
           </a:p>
           <a:p>
@@ -11095,25 +11100,18 @@
               <a:t>• </a:t>
             </a:r>
             <a:r>
-              <a:rPr lang="en-US" altLang="en-US" b="1" dirty="0" err="1" smtClean="0">
+              <a:rPr lang="en-US" altLang="en-US" b="1" dirty="0" err="1">
                 <a:latin typeface="Courier New" panose="02070309020205020404" pitchFamily="49" charset="0"/>
                 <a:cs typeface="Courier New" panose="02070309020205020404" pitchFamily="49" charset="0"/>
               </a:rPr>
               <a:t>ssize_t</a:t>
             </a:r>
             <a:r>
-              <a:rPr lang="en-US" altLang="en-US" b="1" dirty="0" smtClean="0">
-                <a:latin typeface="Courier New" panose="02070309020205020404" pitchFamily="49" charset="0"/>
-                <a:cs typeface="Courier New" panose="02070309020205020404" pitchFamily="49" charset="0"/>
-              </a:rPr>
-              <a:t> </a:t>
-            </a:r>
-            <a:r>
               <a:rPr lang="en-US" altLang="en-US" b="1" dirty="0">
                 <a:latin typeface="Courier New" panose="02070309020205020404" pitchFamily="49" charset="0"/>
                 <a:cs typeface="Courier New" panose="02070309020205020404" pitchFamily="49" charset="0"/>
               </a:rPr>
-              <a:t>read(. . .)</a:t>
+              <a:t> read(. . .)</a:t>
             </a:r>
             <a:r>
               <a:rPr lang="en-US" altLang="en-US" dirty="0"/>
@@ -11127,25 +11125,18 @@
               <a:t>• </a:t>
             </a:r>
             <a:r>
-              <a:rPr lang="en-US" altLang="en-US" b="1" dirty="0" err="1" smtClean="0">
+              <a:rPr lang="en-US" altLang="en-US" b="1" dirty="0" err="1">
                 <a:latin typeface="Courier New" panose="02070309020205020404" pitchFamily="49" charset="0"/>
                 <a:cs typeface="Courier New" panose="02070309020205020404" pitchFamily="49" charset="0"/>
               </a:rPr>
               <a:t>ssize_t</a:t>
             </a:r>
             <a:r>
-              <a:rPr lang="en-US" altLang="en-US" b="1" dirty="0" smtClean="0">
-                <a:latin typeface="Courier New" panose="02070309020205020404" pitchFamily="49" charset="0"/>
-                <a:cs typeface="Courier New" panose="02070309020205020404" pitchFamily="49" charset="0"/>
-              </a:rPr>
-              <a:t> </a:t>
-            </a:r>
-            <a:r>
               <a:rPr lang="en-US" altLang="en-US" b="1" dirty="0">
                 <a:latin typeface="Courier New" panose="02070309020205020404" pitchFamily="49" charset="0"/>
                 <a:cs typeface="Courier New" panose="02070309020205020404" pitchFamily="49" charset="0"/>
               </a:rPr>
-              <a:t>write(. . .)</a:t>
+              <a:t> write(. . .)</a:t>
             </a:r>
             <a:r>
               <a:rPr lang="en-US" altLang="en-US" dirty="0"/>
@@ -11438,15 +11429,7 @@
             <a:pPr lvl="1"/>
             <a:r>
               <a:rPr lang="en-US" altLang="en-US" sz="2400" dirty="0"/>
-              <a:t>A bit of a revision to </a:t>
-            </a:r>
-            <a:r>
-              <a:rPr lang="en-US" altLang="en-US" sz="2400" dirty="0" smtClean="0"/>
-              <a:t>the first </a:t>
-            </a:r>
-            <a:r>
-              <a:rPr lang="en-US" altLang="en-US" sz="2400" dirty="0"/>
-              <a:t>method</a:t>
+              <a:t>A bit of a revision to the first method</a:t>
             </a:r>
           </a:p>
           <a:p>
@@ -11567,13 +11550,8 @@
           <a:p>
             <a:r>
               <a:rPr lang="en-US" altLang="en-US" sz="2400" dirty="0"/>
-              <a:t>Identifying each other via network ID can be spoofed, encryption can be </a:t>
-            </a:r>
-            <a:r>
-              <a:rPr lang="en-US" altLang="en-US" sz="2400" dirty="0" smtClean="0"/>
-              <a:t>expensive</a:t>
-            </a:r>
-            <a:endParaRPr lang="en-US" altLang="en-US" sz="2400" dirty="0"/>
+              <a:t>Identifying each other via network ID can be spoofed, encryption can be expensive</a:t>
+            </a:r>
           </a:p>
           <a:p>
             <a:r>
@@ -12004,15 +11982,7 @@
             </a:r>
             <a:r>
               <a:rPr lang="en-US" altLang="en-US" sz="2000" dirty="0"/>
-              <a:t> to create network logins that server uses to allow </a:t>
-            </a:r>
-            <a:r>
-              <a:rPr lang="en-US" altLang="en-US" sz="2000" dirty="0" smtClean="0"/>
-              <a:t>or </a:t>
-            </a:r>
-            <a:r>
-              <a:rPr lang="en-US" altLang="en-US" sz="2000" dirty="0"/>
-              <a:t>deny access</a:t>
+              <a:t> to create network logins that server uses to allow or deny access</a:t>
             </a:r>
           </a:p>
           <a:p>
@@ -12611,7 +12581,19 @@
             </a:pPr>
             <a:r>
               <a:rPr lang="en-US" altLang="en-US" sz="2000" dirty="0"/>
-              <a:t>Interconnected workstations viewed as a set of independent machines with independent file systems, which allows sharing among these file systems in a transparent manner</a:t>
+              <a:t>Interconnected workstations viewed as a set of independent machines with independent file systems, which allows sharing among these file systems in a </a:t>
+            </a:r>
+            <a:r>
+              <a:rPr lang="en-US" altLang="en-US" sz="2000" dirty="0">
+                <a:solidFill>
+                  <a:srgbClr val="0000FF"/>
+                </a:solidFill>
+              </a:rPr>
+              <a:t>transparent</a:t>
+            </a:r>
+            <a:r>
+              <a:rPr lang="en-US" altLang="en-US" sz="2000" dirty="0"/>
+              <a:t> manner</a:t>
             </a:r>
           </a:p>
           <a:p>
@@ -12794,17 +12776,20 @@
             </a:r>
             <a:r>
               <a:rPr lang="en-US" altLang="en-US" sz="2000" dirty="0"/>
-              <a:t> environment of different machines, operating systems, and network architectures; the NFS specifications independent of these media</a:t>
-            </a:r>
-          </a:p>
-          <a:p>
-            <a:r>
-              <a:rPr lang="en-US" altLang="en-US" sz="2000" dirty="0" smtClean="0"/>
-              <a:t>This </a:t>
-            </a:r>
+              <a:t> environment of different machines, operating systems, and network architectures</a:t>
+            </a:r>
+          </a:p>
+          <a:p>
+            <a:pPr lvl="1"/>
             <a:r>
               <a:rPr lang="en-US" altLang="en-US" sz="2000" dirty="0"/>
-              <a:t>independence is achieved through the use of </a:t>
+              <a:t>NFS specification independent of these media</a:t>
+            </a:r>
+          </a:p>
+          <a:p>
+            <a:r>
+              <a:rPr lang="en-US" altLang="en-US" sz="2000" dirty="0"/>
+              <a:t>This independence is achieved through the use of </a:t>
             </a:r>
             <a:r>
               <a:rPr lang="en-US" altLang="en-US" sz="2000" dirty="0">
@@ -12816,22 +12801,27 @@
             </a:r>
             <a:r>
               <a:rPr lang="en-US" altLang="en-US" sz="2000" dirty="0"/>
-              <a:t> primitives built on top of an External Data Representation (XDR) protocol used between two implementation-independent </a:t>
-            </a:r>
-            <a:r>
-              <a:rPr lang="en-US" altLang="en-US" sz="2000" dirty="0" smtClean="0"/>
-              <a:t>interfaces</a:t>
-            </a:r>
-            <a:endParaRPr lang="en-US" altLang="en-US" sz="2000" dirty="0"/>
-          </a:p>
-          <a:p>
-            <a:r>
-              <a:rPr lang="en-US" altLang="en-US" sz="2000" dirty="0" smtClean="0"/>
-              <a:t>The </a:t>
-            </a:r>
+              <a:t> primitives built on top of an External Data Representation (XDR) protocol used between two implementation-independent interfaces</a:t>
+            </a:r>
+          </a:p>
+          <a:p>
             <a:r>
               <a:rPr lang="en-US" altLang="en-US" sz="2000" dirty="0"/>
-              <a:t>NFS specification distinguishes between the services provided by a mount mechanism and the actual remote-file-access services </a:t>
+              <a:t>The NFS specification distinguishes between the services provided by a mount mechanism and the actual remote-file-access services</a:t>
+            </a:r>
+          </a:p>
+          <a:p>
+            <a:pPr lvl="1"/>
+            <a:r>
+              <a:rPr lang="en-US" altLang="en-US" sz="2000" dirty="0"/>
+              <a:t>Mount protocol</a:t>
+            </a:r>
+          </a:p>
+          <a:p>
+            <a:pPr lvl="1"/>
+            <a:r>
+              <a:rPr lang="en-US" altLang="en-US" sz="2000" dirty="0"/>
+              <a:t>NFS protocol – for remote file access </a:t>
             </a:r>
           </a:p>
         </p:txBody>
@@ -13408,8 +13398,8 @@
         </p:nvSpPr>
         <p:spPr bwMode="auto">
           <a:xfrm>
-            <a:off x="2798763" y="5310188"/>
-            <a:ext cx="1025525" cy="400050"/>
+            <a:off x="1657564" y="5134111"/>
+            <a:ext cx="2647307" cy="1015659"/>
           </a:xfrm>
           <a:prstGeom prst="rect">
             <a:avLst/>
@@ -13439,7 +13429,7 @@
           </a:extLst>
         </p:spPr>
         <p:txBody>
-          <a:bodyPr wrap="none" lIns="91435" tIns="45718" rIns="91435" bIns="45718" anchor="ctr">
+          <a:bodyPr wrap="square" lIns="91435" tIns="45718" rIns="91435" bIns="45718" anchor="ctr">
             <a:spAutoFit/>
           </a:bodyPr>
           <a:lstStyle>
@@ -13623,8 +13613,16 @@
               <a:buNone/>
             </a:pPr>
             <a:r>
-              <a:rPr kumimoji="0" lang="en-US" altLang="en-US" sz="2000"/>
-              <a:t>Mounts</a:t>
+              <a:rPr kumimoji="0" lang="en-US" altLang="en-US" sz="2000" dirty="0"/>
+              <a:t>After mounting S1:/</a:t>
+            </a:r>
+            <a:r>
+              <a:rPr kumimoji="0" lang="en-US" altLang="en-US" sz="2000" dirty="0" err="1"/>
+              <a:t>usr</a:t>
+            </a:r>
+            <a:r>
+              <a:rPr kumimoji="0" lang="en-US" altLang="en-US" sz="2000" dirty="0"/>
+              <a:t>/shared over U:/usr/local</a:t>
             </a:r>
           </a:p>
         </p:txBody>
@@ -13645,8 +13643,8 @@
         </p:nvSpPr>
         <p:spPr bwMode="auto">
           <a:xfrm>
-            <a:off x="5311775" y="5294313"/>
-            <a:ext cx="2308225" cy="400050"/>
+            <a:off x="5558319" y="5131143"/>
+            <a:ext cx="2647307" cy="1015659"/>
           </a:xfrm>
           <a:prstGeom prst="rect">
             <a:avLst/>
@@ -13676,7 +13674,7 @@
           </a:extLst>
         </p:spPr>
         <p:txBody>
-          <a:bodyPr wrap="none" lIns="91435" tIns="45718" rIns="91435" bIns="45718" anchor="ctr">
+          <a:bodyPr wrap="square" lIns="91435" tIns="45718" rIns="91435" bIns="45718" anchor="ctr">
             <a:spAutoFit/>
           </a:bodyPr>
           <a:lstStyle>
@@ -13860,8 +13858,16 @@
               <a:buNone/>
             </a:pPr>
             <a:r>
-              <a:rPr kumimoji="0" lang="en-US" altLang="en-US" sz="2000"/>
-              <a:t>Cascading mounts</a:t>
+              <a:rPr kumimoji="0" lang="en-US" altLang="en-US" sz="2000" dirty="0"/>
+              <a:t>Cascading mounts: mounting S2:/</a:t>
+            </a:r>
+            <a:r>
+              <a:rPr kumimoji="0" lang="en-US" altLang="en-US" sz="2000" dirty="0" err="1"/>
+              <a:t>usr</a:t>
+            </a:r>
+            <a:r>
+              <a:rPr kumimoji="0" lang="en-US" altLang="en-US" sz="2000" dirty="0"/>
+              <a:t>/dir2 over U:/usr/local/dir1</a:t>
             </a:r>
           </a:p>
         </p:txBody>
@@ -14031,10 +14037,17 @@
             </a:r>
           </a:p>
           <a:p>
-            <a:pPr lvl="1"/>
+            <a:r>
+              <a:rPr lang="en-US" altLang="en-US" sz="2000" dirty="0">
+                <a:solidFill>
+                  <a:srgbClr val="0000FF"/>
+                </a:solidFill>
+              </a:rPr>
+              <a:t>Mount request</a:t>
+            </a:r>
             <a:r>
               <a:rPr lang="en-US" altLang="en-US" sz="2000" dirty="0"/>
-              <a:t>Mount request is mapped to corresponding RPC and forwarded to mount server running on server machine </a:t>
+              <a:t> is mapped to corresponding RPC and forwarded to mount server running on server machine </a:t>
             </a:r>
           </a:p>
           <a:p>
@@ -14047,7 +14060,19 @@
           <a:p>
             <a:r>
               <a:rPr lang="en-US" altLang="en-US" sz="2000" dirty="0"/>
-              <a:t>Following a mount request that conforms to its export list, the server returns a file handle—a key for further accesses</a:t>
+              <a:t>Following a mount request that conforms to its export list, the server </a:t>
+            </a:r>
+            <a:r>
+              <a:rPr lang="en-US" altLang="en-US" sz="2000" dirty="0">
+                <a:solidFill>
+                  <a:srgbClr val="0000FF"/>
+                </a:solidFill>
+              </a:rPr>
+              <a:t>returns a file handle</a:t>
+            </a:r>
+            <a:r>
+              <a:rPr lang="en-US" altLang="en-US" sz="2000" dirty="0"/>
+              <a:t>—a key for further accesses</a:t>
             </a:r>
           </a:p>
           <a:p>
@@ -14076,7 +14101,19 @@
             </a:r>
             <a:r>
               <a:rPr lang="en-US" altLang="ja-JP" sz="2000" dirty="0"/>
-              <a:t>s view and does not affect the server side </a:t>
+              <a:t>s view and does </a:t>
+            </a:r>
+            <a:r>
+              <a:rPr lang="en-US" altLang="ja-JP" sz="2000" dirty="0">
+                <a:solidFill>
+                  <a:srgbClr val="0000FF"/>
+                </a:solidFill>
+              </a:rPr>
+              <a:t>not</a:t>
+            </a:r>
+            <a:r>
+              <a:rPr lang="en-US" altLang="ja-JP" sz="2000" dirty="0"/>
+              <a:t> affect the server side </a:t>
             </a:r>
             <a:endParaRPr lang="en-US" altLang="en-US" sz="2000" dirty="0"/>
           </a:p>
@@ -14174,13 +14211,8 @@
             </a:pPr>
             <a:r>
               <a:rPr lang="en-US" altLang="en-US" sz="2000" dirty="0"/>
-              <a:t>Provides a set of remote procedure calls for remote file </a:t>
-            </a:r>
-            <a:r>
-              <a:rPr lang="en-US" altLang="en-US" sz="2000" dirty="0" smtClean="0"/>
-              <a:t>operations:</a:t>
-            </a:r>
-            <a:endParaRPr lang="en-US" altLang="en-US" sz="2000" dirty="0"/>
+              <a:t>Provides a set of remote procedure calls for remote file operations:</a:t>
+            </a:r>
           </a:p>
           <a:p>
             <a:pPr lvl="1">
@@ -14419,34 +14451,21 @@
             </a:r>
             <a:r>
               <a:rPr lang="en-US" altLang="en-US" sz="2000" b="1" dirty="0"/>
-              <a:t>file </a:t>
-            </a:r>
-            <a:r>
-              <a:rPr lang="en-US" altLang="en-US" sz="2000" b="1" dirty="0" smtClean="0"/>
-              <a:t>descriptors</a:t>
-            </a:r>
-            <a:r>
-              <a:rPr lang="en-US" altLang="en-US" sz="2000" dirty="0" smtClean="0"/>
+              <a:t>file descriptors</a:t>
+            </a:r>
+            <a:r>
+              <a:rPr lang="en-US" altLang="en-US" sz="2000" dirty="0"/>
               <a:t>)</a:t>
             </a:r>
-            <a:endParaRPr lang="en-US" altLang="en-US" sz="2000" dirty="0"/>
-          </a:p>
-          <a:p>
-            <a:r>
-              <a:rPr lang="en-US" altLang="en-US" sz="2000" dirty="0" smtClean="0">
+          </a:p>
+          <a:p>
+            <a:r>
+              <a:rPr lang="en-US" altLang="en-US" sz="2000" dirty="0">
                 <a:solidFill>
                   <a:srgbClr val="0000FF"/>
                 </a:solidFill>
               </a:rPr>
-              <a:t>Virtual </a:t>
-            </a:r>
-            <a:r>
-              <a:rPr lang="en-US" altLang="en-US" sz="2000" dirty="0">
-                <a:solidFill>
-                  <a:srgbClr val="0000FF"/>
-                </a:solidFill>
-              </a:rPr>
-              <a:t>File System (VFS) layer </a:t>
+              <a:t>Virtual File System (VFS) layer </a:t>
             </a:r>
             <a:r>
               <a:rPr lang="en-US" altLang="en-US" sz="2000" dirty="0"/>
@@ -14464,13 +14483,8 @@
             <a:pPr lvl="1"/>
             <a:r>
               <a:rPr lang="en-US" altLang="en-US" sz="2000" dirty="0"/>
-              <a:t>Calls the NFS protocol procedures for remote </a:t>
-            </a:r>
-            <a:r>
-              <a:rPr lang="en-US" altLang="en-US" sz="2000" dirty="0" smtClean="0"/>
-              <a:t>requests</a:t>
-            </a:r>
-            <a:endParaRPr lang="en-US" altLang="en-US" sz="2000" dirty="0"/>
+              <a:t>Calls the NFS protocol procedures for remote requests</a:t>
+            </a:r>
           </a:p>
           <a:p>
             <a:r>
@@ -14705,31 +14719,19 @@
               <a:t>Performed by breaking the path into component names and performing a separate NFS lookup call for every pair of component name and directory </a:t>
             </a:r>
             <a:r>
-              <a:rPr lang="en-US" altLang="en-US" sz="2400" dirty="0" err="1" smtClean="0"/>
+              <a:rPr lang="en-US" altLang="en-US" sz="2400" dirty="0" err="1"/>
               <a:t>vnode</a:t>
             </a:r>
             <a:endParaRPr lang="en-US" altLang="en-US" sz="2400" dirty="0"/>
           </a:p>
           <a:p>
             <a:r>
-              <a:rPr lang="en-US" altLang="en-US" sz="2400" dirty="0" smtClean="0"/>
-              <a:t>To </a:t>
-            </a:r>
-            <a:r>
               <a:rPr lang="en-US" altLang="en-US" sz="2400" dirty="0"/>
-              <a:t>make lookup faster, a directory name lookup cache on the </a:t>
-            </a:r>
-            <a:r>
-              <a:rPr lang="en-US" altLang="en-US" sz="2400" dirty="0" smtClean="0"/>
-              <a:t>client</a:t>
-            </a:r>
-            <a:r>
-              <a:rPr lang="en-US" altLang="ja-JP" sz="2400" dirty="0" smtClean="0"/>
-              <a:t> </a:t>
+              <a:t>To make lookup faster, a directory name lookup cache on the client</a:t>
             </a:r>
             <a:r>
               <a:rPr lang="en-US" altLang="ja-JP" sz="2400" dirty="0"/>
-              <a:t>side holds the </a:t>
+              <a:t> side holds the </a:t>
             </a:r>
             <a:r>
               <a:rPr lang="en-US" altLang="ja-JP" sz="2400" dirty="0" err="1"/>
@@ -15186,10 +15188,6 @@
             <a:br>
               <a:rPr lang="en-US" dirty="0"/>
             </a:br>
-            <a:r>
-              <a:rPr lang="en-US" dirty="0"/>
-              <a:t/>
-            </a:r>
             <a:br>
               <a:rPr lang="en-US" dirty="0"/>
             </a:br>
@@ -15522,15 +15520,7 @@
             <a:pPr lvl="1"/>
             <a:r>
               <a:rPr lang="en-US" altLang="en-US" dirty="0"/>
-              <a:t>Or a boot management program for </a:t>
-            </a:r>
-            <a:r>
-              <a:rPr lang="en-US" altLang="en-US" dirty="0" smtClean="0"/>
-              <a:t>multi-OS </a:t>
-            </a:r>
-            <a:r>
-              <a:rPr lang="en-US" altLang="en-US" dirty="0"/>
-              <a:t>booting</a:t>
+              <a:t>Or a boot management program for multi-OS booting</a:t>
             </a:r>
           </a:p>
           <a:p>
@@ -15818,7 +15808,7 @@
         <p:spPr>
           <a:xfrm>
             <a:off x="830423" y="1082675"/>
-            <a:ext cx="2279489" cy="3970318"/>
+            <a:ext cx="2279489" cy="4247317"/>
           </a:xfrm>
           <a:prstGeom prst="rect">
             <a:avLst/>
@@ -15840,6 +15830,10 @@
               <a:rPr lang="en-US" dirty="0"/>
               <a:t>Unix-like file system directory tree</a:t>
             </a:r>
+            <a:br>
+              <a:rPr lang="en-US" dirty="0"/>
+            </a:br>
+            <a:endParaRPr lang="en-US" dirty="0"/>
           </a:p>
           <a:p>
             <a:pPr marL="342900" indent="-342900">
@@ -15995,15 +15989,7 @@
           <a:p>
             <a:r>
               <a:rPr lang="en-US" altLang="en-US" sz="2400" dirty="0"/>
-              <a:t>Permissions / protection must be </a:t>
-            </a:r>
-            <a:r>
-              <a:rPr lang="en-US" altLang="en-US" sz="2400" dirty="0" smtClean="0"/>
-              <a:t>implemented </a:t>
-            </a:r>
-            <a:r>
-              <a:rPr lang="en-US" altLang="en-US" sz="2400" dirty="0"/>
-              <a:t>and accurate</a:t>
+              <a:t>Permissions / protection must be implemented and accurate</a:t>
             </a:r>
           </a:p>
           <a:p>
